--- a/CSE 411 Machine Learning/Parameter Regression.pptx
+++ b/CSE 411 Machine Learning/Parameter Regression.pptx
@@ -5,7 +5,7 @@
     <p:sldMasterId id="2147483702" r:id="rId1"/>
   </p:sldMasterIdLst>
   <p:notesMasterIdLst>
-    <p:notesMasterId r:id="rId31"/>
+    <p:notesMasterId r:id="rId30"/>
   </p:notesMasterIdLst>
   <p:sldIdLst>
     <p:sldId id="256" r:id="rId2"/>
@@ -32,43 +32,42 @@
     <p:sldId id="367" r:id="rId23"/>
     <p:sldId id="369" r:id="rId24"/>
     <p:sldId id="370" r:id="rId25"/>
-    <p:sldId id="371" r:id="rId26"/>
-    <p:sldId id="372" r:id="rId27"/>
-    <p:sldId id="373" r:id="rId28"/>
-    <p:sldId id="374" r:id="rId29"/>
-    <p:sldId id="276" r:id="rId30"/>
+    <p:sldId id="372" r:id="rId26"/>
+    <p:sldId id="373" r:id="rId27"/>
+    <p:sldId id="374" r:id="rId28"/>
+    <p:sldId id="276" r:id="rId29"/>
   </p:sldIdLst>
   <p:sldSz cx="9144000" cy="5143500" type="screen16x9"/>
   <p:notesSz cx="6858000" cy="9144000"/>
   <p:embeddedFontLst>
     <p:embeddedFont>
       <p:font typeface="Cambria Math" panose="02040503050406030204" pitchFamily="18" charset="0"/>
-      <p:regular r:id="rId32"/>
+      <p:regular r:id="rId31"/>
     </p:embeddedFont>
     <p:embeddedFont>
       <p:font typeface="Georgia" panose="02040502050405020303" pitchFamily="18" charset="0"/>
-      <p:regular r:id="rId33"/>
-      <p:bold r:id="rId34"/>
-      <p:italic r:id="rId35"/>
-      <p:boldItalic r:id="rId36"/>
+      <p:regular r:id="rId32"/>
+      <p:bold r:id="rId33"/>
+      <p:italic r:id="rId34"/>
+      <p:boldItalic r:id="rId35"/>
     </p:embeddedFont>
     <p:embeddedFont>
       <p:font typeface="Lilita One" panose="020B0604020202020204" charset="0"/>
-      <p:regular r:id="rId37"/>
+      <p:regular r:id="rId36"/>
     </p:embeddedFont>
     <p:embeddedFont>
       <p:font typeface="Mulish" panose="020B0604020202020204" charset="0"/>
-      <p:regular r:id="rId38"/>
-      <p:bold r:id="rId39"/>
-      <p:italic r:id="rId40"/>
-      <p:boldItalic r:id="rId41"/>
+      <p:regular r:id="rId37"/>
+      <p:bold r:id="rId38"/>
+      <p:italic r:id="rId39"/>
+      <p:boldItalic r:id="rId40"/>
     </p:embeddedFont>
     <p:embeddedFont>
       <p:font typeface="Trebuchet MS" panose="020B0603020202020204" pitchFamily="34" charset="0"/>
-      <p:regular r:id="rId42"/>
-      <p:bold r:id="rId43"/>
-      <p:italic r:id="rId44"/>
-      <p:boldItalic r:id="rId45"/>
+      <p:regular r:id="rId41"/>
+      <p:bold r:id="rId42"/>
+      <p:italic r:id="rId43"/>
+      <p:boldItalic r:id="rId44"/>
     </p:embeddedFont>
   </p:embeddedFontLst>
   <p:defaultTextStyle>
@@ -2691,7 +2690,7 @@
     </p:spTree>
     <p:extLst>
       <p:ext uri="{BB962C8B-B14F-4D97-AF65-F5344CB8AC3E}">
-        <p14:creationId xmlns:p14="http://schemas.microsoft.com/office/powerpoint/2010/main" val="746596465"/>
+        <p14:creationId xmlns:p14="http://schemas.microsoft.com/office/powerpoint/2010/main" val="212783262"/>
       </p:ext>
     </p:extLst>
   </p:cSld>
@@ -2800,7 +2799,7 @@
     </p:spTree>
     <p:extLst>
       <p:ext uri="{BB962C8B-B14F-4D97-AF65-F5344CB8AC3E}">
-        <p14:creationId xmlns:p14="http://schemas.microsoft.com/office/powerpoint/2010/main" val="212783262"/>
+        <p14:creationId xmlns:p14="http://schemas.microsoft.com/office/powerpoint/2010/main" val="1074791630"/>
       </p:ext>
     </p:extLst>
   </p:cSld>
@@ -2909,7 +2908,7 @@
     </p:spTree>
     <p:extLst>
       <p:ext uri="{BB962C8B-B14F-4D97-AF65-F5344CB8AC3E}">
-        <p14:creationId xmlns:p14="http://schemas.microsoft.com/office/powerpoint/2010/main" val="1074791630"/>
+        <p14:creationId xmlns:p14="http://schemas.microsoft.com/office/powerpoint/2010/main" val="3259474370"/>
       </p:ext>
     </p:extLst>
   </p:cSld>
@@ -2920,115 +2919,6 @@
 </file>
 
 <file path=ppt/notesSlides/notesSlide28.xml><?xml version="1.0" encoding="utf-8"?>
-<p:notes xmlns:a="http://schemas.openxmlformats.org/drawingml/2006/main" xmlns:r="http://schemas.openxmlformats.org/officeDocument/2006/relationships" xmlns:p="http://schemas.openxmlformats.org/presentationml/2006/main" showMasterSp="0" showMasterPhAnim="0">
-  <p:cSld>
-    <p:spTree>
-      <p:nvGrpSpPr>
-        <p:cNvPr id="1" name="Shape 914"/>
-        <p:cNvGrpSpPr/>
-        <p:nvPr/>
-      </p:nvGrpSpPr>
-      <p:grpSpPr>
-        <a:xfrm>
-          <a:off x="0" y="0"/>
-          <a:ext cx="0" cy="0"/>
-          <a:chOff x="0" y="0"/>
-          <a:chExt cx="0" cy="0"/>
-        </a:xfrm>
-      </p:grpSpPr>
-      <p:sp>
-        <p:nvSpPr>
-          <p:cNvPr id="915" name="Google Shape;915;g8a0076b5af_0_129:notes"/>
-          <p:cNvSpPr>
-            <a:spLocks noGrp="1" noRot="1" noChangeAspect="1"/>
-          </p:cNvSpPr>
-          <p:nvPr>
-            <p:ph type="sldImg" idx="2"/>
-          </p:nvPr>
-        </p:nvSpPr>
-        <p:spPr>
-          <a:xfrm>
-            <a:off x="381000" y="685800"/>
-            <a:ext cx="6096000" cy="3429000"/>
-          </a:xfrm>
-          <a:custGeom>
-            <a:avLst/>
-            <a:gdLst/>
-            <a:ahLst/>
-            <a:cxnLst/>
-            <a:rect l="l" t="t" r="r" b="b"/>
-            <a:pathLst>
-              <a:path w="120000" h="120000" extrusionOk="0">
-                <a:moveTo>
-                  <a:pt x="0" y="0"/>
-                </a:moveTo>
-                <a:lnTo>
-                  <a:pt x="120000" y="0"/>
-                </a:lnTo>
-                <a:lnTo>
-                  <a:pt x="120000" y="120000"/>
-                </a:lnTo>
-                <a:lnTo>
-                  <a:pt x="0" y="120000"/>
-                </a:lnTo>
-                <a:close/>
-              </a:path>
-            </a:pathLst>
-          </a:custGeom>
-        </p:spPr>
-      </p:sp>
-      <p:sp>
-        <p:nvSpPr>
-          <p:cNvPr id="916" name="Google Shape;916;g8a0076b5af_0_129:notes"/>
-          <p:cNvSpPr txBox="1">
-            <a:spLocks noGrp="1"/>
-          </p:cNvSpPr>
-          <p:nvPr>
-            <p:ph type="body" idx="1"/>
-          </p:nvPr>
-        </p:nvSpPr>
-        <p:spPr>
-          <a:xfrm>
-            <a:off x="685800" y="4343400"/>
-            <a:ext cx="5486400" cy="4114800"/>
-          </a:xfrm>
-          <a:prstGeom prst="rect">
-            <a:avLst/>
-          </a:prstGeom>
-        </p:spPr>
-        <p:txBody>
-          <a:bodyPr spcFirstLastPara="1" wrap="square" lIns="91425" tIns="91425" rIns="91425" bIns="91425" anchor="t" anchorCtr="0">
-            <a:noAutofit/>
-          </a:bodyPr>
-          <a:lstStyle/>
-          <a:p>
-            <a:pPr marL="0" lvl="0" indent="0" algn="l" rtl="0">
-              <a:spcBef>
-                <a:spcPts val="0"/>
-              </a:spcBef>
-              <a:spcAft>
-                <a:spcPts val="0"/>
-              </a:spcAft>
-              <a:buNone/>
-            </a:pPr>
-            <a:endParaRPr dirty="0"/>
-          </a:p>
-        </p:txBody>
-      </p:sp>
-    </p:spTree>
-    <p:extLst>
-      <p:ext uri="{BB962C8B-B14F-4D97-AF65-F5344CB8AC3E}">
-        <p14:creationId xmlns:p14="http://schemas.microsoft.com/office/powerpoint/2010/main" val="3259474370"/>
-      </p:ext>
-    </p:extLst>
-  </p:cSld>
-  <p:clrMapOvr>
-    <a:masterClrMapping/>
-  </p:clrMapOvr>
-</p:notes>
-</file>
-
-<file path=ppt/notesSlides/notesSlide29.xml><?xml version="1.0" encoding="utf-8"?>
 <p:notes xmlns:a="http://schemas.openxmlformats.org/drawingml/2006/main" xmlns:r="http://schemas.openxmlformats.org/officeDocument/2006/relationships" xmlns:p="http://schemas.openxmlformats.org/presentationml/2006/main" showMasterSp="0" showMasterPhAnim="0">
   <p:cSld>
     <p:spTree>
@@ -31540,8 +31430,8 @@
           </a:p>
         </p:txBody>
       </p:sp>
-      <mc:AlternateContent xmlns:mc="http://schemas.openxmlformats.org/markup-compatibility/2006">
-        <mc:Choice xmlns:a14="http://schemas.microsoft.com/office/drawing/2010/main" Requires="a14">
+      <mc:AlternateContent xmlns:mc="http://schemas.openxmlformats.org/markup-compatibility/2006" xmlns:a14="http://schemas.microsoft.com/office/drawing/2010/main">
+        <mc:Choice Requires="a14">
           <p:sp>
             <p:nvSpPr>
               <p:cNvPr id="2" name="Google Shape;920;p69">
@@ -31972,7 +31862,7 @@
             </p:txBody>
           </p:sp>
         </mc:Choice>
-        <mc:Fallback>
+        <mc:Fallback xmlns="">
           <p:sp>
             <p:nvSpPr>
               <p:cNvPr id="2" name="Google Shape;920;p69">
@@ -33314,1416 +33204,6 @@
 </file>
 
 <file path=ppt/slides/slide25.xml><?xml version="1.0" encoding="utf-8"?>
-<p:sld xmlns:a="http://schemas.openxmlformats.org/drawingml/2006/main" xmlns:r="http://schemas.openxmlformats.org/officeDocument/2006/relationships" xmlns:p="http://schemas.openxmlformats.org/presentationml/2006/main">
-  <p:cSld>
-    <p:spTree>
-      <p:nvGrpSpPr>
-        <p:cNvPr id="1" name="Shape 917"/>
-        <p:cNvGrpSpPr/>
-        <p:nvPr/>
-      </p:nvGrpSpPr>
-      <p:grpSpPr>
-        <a:xfrm>
-          <a:off x="0" y="0"/>
-          <a:ext cx="0" cy="0"/>
-          <a:chOff x="0" y="0"/>
-          <a:chExt cx="0" cy="0"/>
-        </a:xfrm>
-      </p:grpSpPr>
-      <p:sp>
-        <p:nvSpPr>
-          <p:cNvPr id="944" name="Google Shape;944;p69">
-            <a:hlinkClick r:id="rId3" action="ppaction://hlinksldjump"/>
-          </p:cNvPr>
-          <p:cNvSpPr/>
-          <p:nvPr/>
-        </p:nvSpPr>
-        <p:spPr>
-          <a:xfrm>
-            <a:off x="4637086" y="184075"/>
-            <a:ext cx="285600" cy="252000"/>
-          </a:xfrm>
-          <a:prstGeom prst="roundRect">
-            <a:avLst>
-              <a:gd name="adj" fmla="val 16667"/>
-            </a:avLst>
-          </a:prstGeom>
-          <a:solidFill>
-            <a:schemeClr val="lt1"/>
-          </a:solidFill>
-          <a:ln w="19050" cap="flat" cmpd="sng">
-            <a:solidFill>
-              <a:schemeClr val="dk1"/>
-            </a:solidFill>
-            <a:prstDash val="solid"/>
-            <a:round/>
-            <a:headEnd type="none" w="sm" len="sm"/>
-            <a:tailEnd type="none" w="sm" len="sm"/>
-          </a:ln>
-        </p:spPr>
-        <p:txBody>
-          <a:bodyPr spcFirstLastPara="1" wrap="square" lIns="0" tIns="0" rIns="0" bIns="0" anchor="ctr" anchorCtr="0">
-            <a:noAutofit/>
-          </a:bodyPr>
-          <a:lstStyle/>
-          <a:p>
-            <a:pPr marL="0" lvl="0" indent="0" algn="ctr" rtl="0">
-              <a:spcBef>
-                <a:spcPts val="0"/>
-              </a:spcBef>
-              <a:spcAft>
-                <a:spcPts val="0"/>
-              </a:spcAft>
-              <a:buNone/>
-            </a:pPr>
-            <a:r>
-              <a:rPr lang="en-US" dirty="0">
-                <a:latin typeface="Lilita One"/>
-                <a:ea typeface="Lilita One"/>
-                <a:cs typeface="Lilita One"/>
-                <a:sym typeface="Lilita One"/>
-              </a:rPr>
-              <a:t>1</a:t>
-            </a:r>
-            <a:endParaRPr dirty="0">
-              <a:latin typeface="Lilita One"/>
-              <a:ea typeface="Lilita One"/>
-              <a:cs typeface="Lilita One"/>
-              <a:sym typeface="Lilita One"/>
-            </a:endParaRPr>
-          </a:p>
-        </p:txBody>
-      </p:sp>
-      <p:sp>
-        <p:nvSpPr>
-          <p:cNvPr id="945" name="Google Shape;945;p69">
-            <a:hlinkClick r:id="rId3" action="ppaction://hlinksldjump"/>
-          </p:cNvPr>
-          <p:cNvSpPr/>
-          <p:nvPr/>
-        </p:nvSpPr>
-        <p:spPr>
-          <a:xfrm>
-            <a:off x="4229891" y="184075"/>
-            <a:ext cx="285600" cy="252000"/>
-          </a:xfrm>
-          <a:prstGeom prst="roundRect">
-            <a:avLst>
-              <a:gd name="adj" fmla="val 16667"/>
-            </a:avLst>
-          </a:prstGeom>
-          <a:solidFill>
-            <a:schemeClr val="lt1"/>
-          </a:solidFill>
-          <a:ln w="19050" cap="flat" cmpd="sng">
-            <a:solidFill>
-              <a:schemeClr val="dk1"/>
-            </a:solidFill>
-            <a:prstDash val="solid"/>
-            <a:round/>
-            <a:headEnd type="none" w="sm" len="sm"/>
-            <a:tailEnd type="none" w="sm" len="sm"/>
-          </a:ln>
-        </p:spPr>
-        <p:txBody>
-          <a:bodyPr spcFirstLastPara="1" wrap="square" lIns="0" tIns="0" rIns="0" bIns="0" anchor="ctr" anchorCtr="0">
-            <a:noAutofit/>
-          </a:bodyPr>
-          <a:lstStyle/>
-          <a:p>
-            <a:pPr marL="0" lvl="0" indent="0" algn="ctr" rtl="0">
-              <a:spcBef>
-                <a:spcPts val="0"/>
-              </a:spcBef>
-              <a:spcAft>
-                <a:spcPts val="0"/>
-              </a:spcAft>
-              <a:buNone/>
-            </a:pPr>
-            <a:r>
-              <a:rPr lang="en">
-                <a:latin typeface="Lilita One"/>
-                <a:ea typeface="Lilita One"/>
-                <a:cs typeface="Lilita One"/>
-                <a:sym typeface="Lilita One"/>
-              </a:rPr>
-              <a:t>T</a:t>
-            </a:r>
-            <a:endParaRPr>
-              <a:latin typeface="Lilita One"/>
-              <a:ea typeface="Lilita One"/>
-              <a:cs typeface="Lilita One"/>
-              <a:sym typeface="Lilita One"/>
-            </a:endParaRPr>
-          </a:p>
-        </p:txBody>
-      </p:sp>
-      <p:sp>
-        <p:nvSpPr>
-          <p:cNvPr id="946" name="Google Shape;946;p69">
-            <a:hlinkClick r:id="" action="ppaction://hlinkshowjump?jump=previousslide"/>
-          </p:cNvPr>
-          <p:cNvSpPr/>
-          <p:nvPr/>
-        </p:nvSpPr>
-        <p:spPr>
-          <a:xfrm flipH="1">
-            <a:off x="3863813" y="184075"/>
-            <a:ext cx="285600" cy="252000"/>
-          </a:xfrm>
-          <a:prstGeom prst="roundRect">
-            <a:avLst>
-              <a:gd name="adj" fmla="val 16667"/>
-            </a:avLst>
-          </a:prstGeom>
-          <a:solidFill>
-            <a:schemeClr val="lt1"/>
-          </a:solidFill>
-          <a:ln>
-            <a:noFill/>
-          </a:ln>
-        </p:spPr>
-        <p:txBody>
-          <a:bodyPr spcFirstLastPara="1" wrap="square" lIns="0" tIns="0" rIns="0" bIns="0" anchor="ctr" anchorCtr="0">
-            <a:noAutofit/>
-          </a:bodyPr>
-          <a:lstStyle/>
-          <a:p>
-            <a:pPr marL="0" lvl="0" indent="0" algn="ctr" rtl="0">
-              <a:spcBef>
-                <a:spcPts val="0"/>
-              </a:spcBef>
-              <a:spcAft>
-                <a:spcPts val="0"/>
-              </a:spcAft>
-              <a:buNone/>
-            </a:pPr>
-            <a:r>
-              <a:rPr lang="en" sz="2000" b="1">
-                <a:latin typeface="Lilita One"/>
-                <a:ea typeface="Lilita One"/>
-                <a:cs typeface="Lilita One"/>
-                <a:sym typeface="Lilita One"/>
-              </a:rPr>
-              <a:t>&lt;</a:t>
-            </a:r>
-            <a:endParaRPr sz="2000" b="1">
-              <a:latin typeface="Lilita One"/>
-              <a:ea typeface="Lilita One"/>
-              <a:cs typeface="Lilita One"/>
-              <a:sym typeface="Lilita One"/>
-            </a:endParaRPr>
-          </a:p>
-        </p:txBody>
-      </p:sp>
-      <p:sp>
-        <p:nvSpPr>
-          <p:cNvPr id="947" name="Google Shape;947;p69">
-            <a:hlinkClick r:id="" action="ppaction://hlinkshowjump?jump=nextslide"/>
-          </p:cNvPr>
-          <p:cNvSpPr/>
-          <p:nvPr/>
-        </p:nvSpPr>
-        <p:spPr>
-          <a:xfrm flipH="1">
-            <a:off x="4994579" y="184075"/>
-            <a:ext cx="285600" cy="252000"/>
-          </a:xfrm>
-          <a:prstGeom prst="roundRect">
-            <a:avLst>
-              <a:gd name="adj" fmla="val 16667"/>
-            </a:avLst>
-          </a:prstGeom>
-          <a:solidFill>
-            <a:schemeClr val="lt1"/>
-          </a:solidFill>
-          <a:ln>
-            <a:noFill/>
-          </a:ln>
-        </p:spPr>
-        <p:txBody>
-          <a:bodyPr spcFirstLastPara="1" wrap="square" lIns="0" tIns="0" rIns="0" bIns="0" anchor="ctr" anchorCtr="0">
-            <a:noAutofit/>
-          </a:bodyPr>
-          <a:lstStyle/>
-          <a:p>
-            <a:pPr marL="0" lvl="0" indent="0" algn="ctr" rtl="0">
-              <a:spcBef>
-                <a:spcPts val="0"/>
-              </a:spcBef>
-              <a:spcAft>
-                <a:spcPts val="0"/>
-              </a:spcAft>
-              <a:buNone/>
-            </a:pPr>
-            <a:r>
-              <a:rPr lang="en" sz="2000" b="1" dirty="0">
-                <a:latin typeface="Lilita One"/>
-                <a:ea typeface="Lilita One"/>
-                <a:cs typeface="Lilita One"/>
-                <a:sym typeface="Lilita One"/>
-              </a:rPr>
-              <a:t>&gt;</a:t>
-            </a:r>
-            <a:endParaRPr sz="2000" b="1" dirty="0">
-              <a:latin typeface="Lilita One"/>
-              <a:ea typeface="Lilita One"/>
-              <a:cs typeface="Lilita One"/>
-              <a:sym typeface="Lilita One"/>
-            </a:endParaRPr>
-          </a:p>
-        </p:txBody>
-      </p:sp>
-      <p:sp>
-        <p:nvSpPr>
-          <p:cNvPr id="17" name="Google Shape;920;p69">
-            <a:extLst>
-              <a:ext uri="{FF2B5EF4-FFF2-40B4-BE49-F238E27FC236}">
-                <a16:creationId xmlns:a16="http://schemas.microsoft.com/office/drawing/2014/main" id="{B0B27427-1401-4308-A936-46B27F290882}"/>
-              </a:ext>
-            </a:extLst>
-          </p:cNvPr>
-          <p:cNvSpPr txBox="1">
-            <a:spLocks noGrp="1"/>
-          </p:cNvSpPr>
-          <p:nvPr>
-            <p:ph type="title"/>
-          </p:nvPr>
-        </p:nvSpPr>
-        <p:spPr>
-          <a:xfrm>
-            <a:off x="449813" y="607300"/>
-            <a:ext cx="7399200" cy="572700"/>
-          </a:xfrm>
-          <a:prstGeom prst="rect">
-            <a:avLst/>
-          </a:prstGeom>
-        </p:spPr>
-        <p:txBody>
-          <a:bodyPr spcFirstLastPara="1" wrap="square" lIns="91425" tIns="91425" rIns="91425" bIns="91425" anchor="ctr" anchorCtr="0">
-            <a:noAutofit/>
-          </a:bodyPr>
-          <a:lstStyle/>
-          <a:p>
-            <a:pPr marL="0" lvl="0" indent="0" algn="l" rtl="0">
-              <a:spcBef>
-                <a:spcPts val="0"/>
-              </a:spcBef>
-              <a:spcAft>
-                <a:spcPts val="0"/>
-              </a:spcAft>
-              <a:buNone/>
-            </a:pPr>
-            <a:r>
-              <a:rPr lang="en-US" dirty="0"/>
-              <a:t>Bias And Variance </a:t>
-            </a:r>
-            <a:endParaRPr dirty="0"/>
-          </a:p>
-        </p:txBody>
-      </p:sp>
-      <p:sp>
-        <p:nvSpPr>
-          <p:cNvPr id="2" name="Google Shape;920;p69">
-            <a:extLst>
-              <a:ext uri="{FF2B5EF4-FFF2-40B4-BE49-F238E27FC236}">
-                <a16:creationId xmlns:a16="http://schemas.microsoft.com/office/drawing/2014/main" id="{57DF7EF7-4232-158E-E40E-BD31C4AD4201}"/>
-              </a:ext>
-            </a:extLst>
-          </p:cNvPr>
-          <p:cNvSpPr txBox="1">
-            <a:spLocks/>
-          </p:cNvSpPr>
-          <p:nvPr/>
-        </p:nvSpPr>
-        <p:spPr>
-          <a:xfrm>
-            <a:off x="1157333" y="1573682"/>
-            <a:ext cx="7960091" cy="3179293"/>
-          </a:xfrm>
-          <a:prstGeom prst="rect">
-            <a:avLst/>
-          </a:prstGeom>
-          <a:noFill/>
-          <a:ln>
-            <a:noFill/>
-          </a:ln>
-        </p:spPr>
-        <p:txBody>
-          <a:bodyPr spcFirstLastPara="1" wrap="square" lIns="91425" tIns="91425" rIns="91425" bIns="91425" anchor="ctr" anchorCtr="0">
-            <a:noAutofit/>
-          </a:bodyPr>
-          <a:lstStyle>
-            <a:defPPr marR="0" lvl="0" algn="l" rtl="0">
-              <a:lnSpc>
-                <a:spcPct val="100000"/>
-              </a:lnSpc>
-              <a:spcBef>
-                <a:spcPts val="0"/>
-              </a:spcBef>
-              <a:spcAft>
-                <a:spcPts val="0"/>
-              </a:spcAft>
-            </a:defPPr>
-            <a:lvl1pPr marR="0" lvl="0" algn="l" rtl="0">
-              <a:lnSpc>
-                <a:spcPct val="80000"/>
-              </a:lnSpc>
-              <a:spcBef>
-                <a:spcPts val="0"/>
-              </a:spcBef>
-              <a:spcAft>
-                <a:spcPts val="0"/>
-              </a:spcAft>
-              <a:buClr>
-                <a:schemeClr val="dk1"/>
-              </a:buClr>
-              <a:buSzPts val="2800"/>
-              <a:buFont typeface="Lilita One"/>
-              <a:buNone/>
-              <a:defRPr sz="2800" b="0" i="0" u="none" strike="noStrike" cap="none">
-                <a:solidFill>
-                  <a:schemeClr val="dk1"/>
-                </a:solidFill>
-                <a:latin typeface="Lilita One"/>
-                <a:ea typeface="Lilita One"/>
-                <a:cs typeface="Lilita One"/>
-                <a:sym typeface="Lilita One"/>
-              </a:defRPr>
-            </a:lvl1pPr>
-            <a:lvl2pPr marR="0" lvl="1" algn="l" rtl="0">
-              <a:lnSpc>
-                <a:spcPct val="100000"/>
-              </a:lnSpc>
-              <a:spcBef>
-                <a:spcPts val="0"/>
-              </a:spcBef>
-              <a:spcAft>
-                <a:spcPts val="0"/>
-              </a:spcAft>
-              <a:buClr>
-                <a:schemeClr val="dk1"/>
-              </a:buClr>
-              <a:buSzPts val="2800"/>
-              <a:buFont typeface="Arial"/>
-              <a:buNone/>
-              <a:defRPr sz="2800" b="0" i="0" u="none" strike="noStrike" cap="none">
-                <a:solidFill>
-                  <a:schemeClr val="dk1"/>
-                </a:solidFill>
-                <a:latin typeface="Arial"/>
-                <a:ea typeface="Arial"/>
-                <a:cs typeface="Arial"/>
-                <a:sym typeface="Arial"/>
-              </a:defRPr>
-            </a:lvl2pPr>
-            <a:lvl3pPr marR="0" lvl="2" algn="l" rtl="0">
-              <a:lnSpc>
-                <a:spcPct val="100000"/>
-              </a:lnSpc>
-              <a:spcBef>
-                <a:spcPts val="0"/>
-              </a:spcBef>
-              <a:spcAft>
-                <a:spcPts val="0"/>
-              </a:spcAft>
-              <a:buClr>
-                <a:schemeClr val="dk1"/>
-              </a:buClr>
-              <a:buSzPts val="2800"/>
-              <a:buFont typeface="Arial"/>
-              <a:buNone/>
-              <a:defRPr sz="2800" b="0" i="0" u="none" strike="noStrike" cap="none">
-                <a:solidFill>
-                  <a:schemeClr val="dk1"/>
-                </a:solidFill>
-                <a:latin typeface="Arial"/>
-                <a:ea typeface="Arial"/>
-                <a:cs typeface="Arial"/>
-                <a:sym typeface="Arial"/>
-              </a:defRPr>
-            </a:lvl3pPr>
-            <a:lvl4pPr marR="0" lvl="3" algn="l" rtl="0">
-              <a:lnSpc>
-                <a:spcPct val="100000"/>
-              </a:lnSpc>
-              <a:spcBef>
-                <a:spcPts val="0"/>
-              </a:spcBef>
-              <a:spcAft>
-                <a:spcPts val="0"/>
-              </a:spcAft>
-              <a:buClr>
-                <a:schemeClr val="dk1"/>
-              </a:buClr>
-              <a:buSzPts val="2800"/>
-              <a:buFont typeface="Arial"/>
-              <a:buNone/>
-              <a:defRPr sz="2800" b="0" i="0" u="none" strike="noStrike" cap="none">
-                <a:solidFill>
-                  <a:schemeClr val="dk1"/>
-                </a:solidFill>
-                <a:latin typeface="Arial"/>
-                <a:ea typeface="Arial"/>
-                <a:cs typeface="Arial"/>
-                <a:sym typeface="Arial"/>
-              </a:defRPr>
-            </a:lvl4pPr>
-            <a:lvl5pPr marR="0" lvl="4" algn="l" rtl="0">
-              <a:lnSpc>
-                <a:spcPct val="100000"/>
-              </a:lnSpc>
-              <a:spcBef>
-                <a:spcPts val="0"/>
-              </a:spcBef>
-              <a:spcAft>
-                <a:spcPts val="0"/>
-              </a:spcAft>
-              <a:buClr>
-                <a:schemeClr val="dk1"/>
-              </a:buClr>
-              <a:buSzPts val="2800"/>
-              <a:buFont typeface="Arial"/>
-              <a:buNone/>
-              <a:defRPr sz="2800" b="0" i="0" u="none" strike="noStrike" cap="none">
-                <a:solidFill>
-                  <a:schemeClr val="dk1"/>
-                </a:solidFill>
-                <a:latin typeface="Arial"/>
-                <a:ea typeface="Arial"/>
-                <a:cs typeface="Arial"/>
-                <a:sym typeface="Arial"/>
-              </a:defRPr>
-            </a:lvl5pPr>
-            <a:lvl6pPr marR="0" lvl="5" algn="l" rtl="0">
-              <a:lnSpc>
-                <a:spcPct val="100000"/>
-              </a:lnSpc>
-              <a:spcBef>
-                <a:spcPts val="0"/>
-              </a:spcBef>
-              <a:spcAft>
-                <a:spcPts val="0"/>
-              </a:spcAft>
-              <a:buClr>
-                <a:schemeClr val="dk1"/>
-              </a:buClr>
-              <a:buSzPts val="2800"/>
-              <a:buFont typeface="Arial"/>
-              <a:buNone/>
-              <a:defRPr sz="2800" b="0" i="0" u="none" strike="noStrike" cap="none">
-                <a:solidFill>
-                  <a:schemeClr val="dk1"/>
-                </a:solidFill>
-                <a:latin typeface="Arial"/>
-                <a:ea typeface="Arial"/>
-                <a:cs typeface="Arial"/>
-                <a:sym typeface="Arial"/>
-              </a:defRPr>
-            </a:lvl6pPr>
-            <a:lvl7pPr marR="0" lvl="6" algn="l" rtl="0">
-              <a:lnSpc>
-                <a:spcPct val="100000"/>
-              </a:lnSpc>
-              <a:spcBef>
-                <a:spcPts val="0"/>
-              </a:spcBef>
-              <a:spcAft>
-                <a:spcPts val="0"/>
-              </a:spcAft>
-              <a:buClr>
-                <a:schemeClr val="dk1"/>
-              </a:buClr>
-              <a:buSzPts val="2800"/>
-              <a:buFont typeface="Arial"/>
-              <a:buNone/>
-              <a:defRPr sz="2800" b="0" i="0" u="none" strike="noStrike" cap="none">
-                <a:solidFill>
-                  <a:schemeClr val="dk1"/>
-                </a:solidFill>
-                <a:latin typeface="Arial"/>
-                <a:ea typeface="Arial"/>
-                <a:cs typeface="Arial"/>
-                <a:sym typeface="Arial"/>
-              </a:defRPr>
-            </a:lvl7pPr>
-            <a:lvl8pPr marR="0" lvl="7" algn="l" rtl="0">
-              <a:lnSpc>
-                <a:spcPct val="100000"/>
-              </a:lnSpc>
-              <a:spcBef>
-                <a:spcPts val="0"/>
-              </a:spcBef>
-              <a:spcAft>
-                <a:spcPts val="0"/>
-              </a:spcAft>
-              <a:buClr>
-                <a:schemeClr val="dk1"/>
-              </a:buClr>
-              <a:buSzPts val="2800"/>
-              <a:buFont typeface="Arial"/>
-              <a:buNone/>
-              <a:defRPr sz="2800" b="0" i="0" u="none" strike="noStrike" cap="none">
-                <a:solidFill>
-                  <a:schemeClr val="dk1"/>
-                </a:solidFill>
-                <a:latin typeface="Arial"/>
-                <a:ea typeface="Arial"/>
-                <a:cs typeface="Arial"/>
-                <a:sym typeface="Arial"/>
-              </a:defRPr>
-            </a:lvl8pPr>
-            <a:lvl9pPr marR="0" lvl="8" algn="l" rtl="0">
-              <a:lnSpc>
-                <a:spcPct val="100000"/>
-              </a:lnSpc>
-              <a:spcBef>
-                <a:spcPts val="0"/>
-              </a:spcBef>
-              <a:spcAft>
-                <a:spcPts val="0"/>
-              </a:spcAft>
-              <a:buClr>
-                <a:schemeClr val="dk1"/>
-              </a:buClr>
-              <a:buSzPts val="2800"/>
-              <a:buFont typeface="Arial"/>
-              <a:buNone/>
-              <a:defRPr sz="2800" b="0" i="0" u="none" strike="noStrike" cap="none">
-                <a:solidFill>
-                  <a:schemeClr val="dk1"/>
-                </a:solidFill>
-                <a:latin typeface="Arial"/>
-                <a:ea typeface="Arial"/>
-                <a:cs typeface="Arial"/>
-                <a:sym typeface="Arial"/>
-              </a:defRPr>
-            </a:lvl9pPr>
-          </a:lstStyle>
-          <a:p>
-            <a:r>
-              <a:rPr lang="en-US" sz="2000" dirty="0">
-                <a:latin typeface="Mulish" panose="020B0604020202020204" charset="0"/>
-              </a:rPr>
-              <a:t>Mean square error of estimator d</a:t>
-            </a:r>
-            <a:endParaRPr lang="en-US" sz="2500" b="0" i="0" dirty="0">
-              <a:solidFill>
-                <a:srgbClr val="1F1F1F"/>
-              </a:solidFill>
-              <a:effectLst/>
-              <a:latin typeface="Mulish" panose="020B0604020202020204" charset="0"/>
-            </a:endParaRPr>
-          </a:p>
-          <a:p>
-            <a:endParaRPr lang="en-US" sz="2500" dirty="0">
-              <a:solidFill>
-                <a:srgbClr val="1F1F1F"/>
-              </a:solidFill>
-              <a:latin typeface="Mulish" panose="020B0604020202020204" charset="0"/>
-            </a:endParaRPr>
-          </a:p>
-          <a:p>
-            <a:r>
-              <a:rPr lang="en-US" sz="2500" dirty="0">
-                <a:solidFill>
-                  <a:srgbClr val="1F1F1F"/>
-                </a:solidFill>
-                <a:latin typeface="Mulish" panose="020B0604020202020204" charset="0"/>
-              </a:rPr>
-              <a:t>E (d - </a:t>
-            </a:r>
-            <a:r>
-              <a:rPr lang="el-GR" sz="2500" b="0" i="0" dirty="0">
-                <a:solidFill>
-                  <a:srgbClr val="1F1F1F"/>
-                </a:solidFill>
-                <a:effectLst/>
-                <a:latin typeface="Mulish" panose="020B0604020202020204" charset="0"/>
-              </a:rPr>
-              <a:t>θ</a:t>
-            </a:r>
-            <a:r>
-              <a:rPr lang="en-US" sz="2500" b="0" i="0" dirty="0">
-                <a:solidFill>
-                  <a:srgbClr val="1F1F1F"/>
-                </a:solidFill>
-                <a:effectLst/>
-                <a:latin typeface="Mulish" panose="020B0604020202020204" charset="0"/>
-              </a:rPr>
-              <a:t>)</a:t>
-            </a:r>
-            <a:r>
-              <a:rPr lang="en-US" sz="2500" b="0" i="0" baseline="30000" dirty="0">
-                <a:solidFill>
-                  <a:srgbClr val="1F1F1F"/>
-                </a:solidFill>
-                <a:effectLst/>
-                <a:latin typeface="Mulish" panose="020B0604020202020204" charset="0"/>
-              </a:rPr>
-              <a:t>2</a:t>
-            </a:r>
-          </a:p>
-          <a:p>
-            <a:endParaRPr lang="en-US" sz="2500" baseline="30000" dirty="0">
-              <a:solidFill>
-                <a:srgbClr val="1F1F1F"/>
-              </a:solidFill>
-              <a:latin typeface="Mulish" panose="020B0604020202020204" charset="0"/>
-            </a:endParaRPr>
-          </a:p>
-          <a:p>
-            <a:r>
-              <a:rPr lang="en-US" sz="2500" b="0" i="0" baseline="30000" dirty="0">
-                <a:solidFill>
-                  <a:srgbClr val="1F1F1F"/>
-                </a:solidFill>
-                <a:effectLst/>
-                <a:latin typeface="Mulish" panose="020B0604020202020204" charset="0"/>
-              </a:rPr>
-              <a:t>= </a:t>
-            </a:r>
-            <a:r>
-              <a:rPr lang="en-US" sz="2500" dirty="0">
-                <a:solidFill>
-                  <a:srgbClr val="1F1F1F"/>
-                </a:solidFill>
-                <a:latin typeface="Mulish" panose="020B0604020202020204" charset="0"/>
-              </a:rPr>
-              <a:t>E (d +E(d) –E(d) - </a:t>
-            </a:r>
-            <a:r>
-              <a:rPr lang="el-GR" sz="2500" b="0" i="0" dirty="0">
-                <a:solidFill>
-                  <a:srgbClr val="1F1F1F"/>
-                </a:solidFill>
-                <a:effectLst/>
-                <a:latin typeface="Mulish" panose="020B0604020202020204" charset="0"/>
-              </a:rPr>
-              <a:t>θ</a:t>
-            </a:r>
-            <a:r>
-              <a:rPr lang="en-US" sz="2500" b="0" i="0" dirty="0">
-                <a:solidFill>
-                  <a:srgbClr val="1F1F1F"/>
-                </a:solidFill>
-                <a:effectLst/>
-                <a:latin typeface="Mulish" panose="020B0604020202020204" charset="0"/>
-              </a:rPr>
-              <a:t>)</a:t>
-            </a:r>
-            <a:r>
-              <a:rPr lang="en-US" sz="2500" b="0" i="0" baseline="30000" dirty="0">
-                <a:solidFill>
-                  <a:srgbClr val="1F1F1F"/>
-                </a:solidFill>
-                <a:effectLst/>
-                <a:latin typeface="Mulish" panose="020B0604020202020204" charset="0"/>
-              </a:rPr>
-              <a:t>2</a:t>
-            </a:r>
-          </a:p>
-          <a:p>
-            <a:endParaRPr lang="en-US" sz="2500" baseline="30000" dirty="0">
-              <a:solidFill>
-                <a:srgbClr val="1F1F1F"/>
-              </a:solidFill>
-              <a:latin typeface="Mulish" panose="020B0604020202020204" charset="0"/>
-            </a:endParaRPr>
-          </a:p>
-          <a:p>
-            <a:r>
-              <a:rPr lang="en-US" sz="2500" b="0" i="0" baseline="30000" dirty="0">
-                <a:solidFill>
-                  <a:srgbClr val="1F1F1F"/>
-                </a:solidFill>
-                <a:effectLst/>
-                <a:latin typeface="Mulish" panose="020B0604020202020204" charset="0"/>
-              </a:rPr>
-              <a:t>= </a:t>
-            </a:r>
-            <a:r>
-              <a:rPr lang="en-US" sz="2500" dirty="0">
-                <a:solidFill>
-                  <a:srgbClr val="1F1F1F"/>
-                </a:solidFill>
-                <a:latin typeface="Mulish" panose="020B0604020202020204" charset="0"/>
-              </a:rPr>
-              <a:t>E [(d +E(d))</a:t>
-            </a:r>
-            <a:r>
-              <a:rPr lang="en-US" sz="2500" baseline="30000" dirty="0">
-                <a:solidFill>
-                  <a:srgbClr val="1F1F1F"/>
-                </a:solidFill>
-                <a:latin typeface="Mulish" panose="020B0604020202020204" charset="0"/>
-              </a:rPr>
-              <a:t>2</a:t>
-            </a:r>
-            <a:r>
-              <a:rPr lang="en-US" sz="2500" dirty="0">
-                <a:solidFill>
-                  <a:srgbClr val="1F1F1F"/>
-                </a:solidFill>
-                <a:latin typeface="Mulish" panose="020B0604020202020204" charset="0"/>
-              </a:rPr>
-              <a:t> + (E(d) - </a:t>
-            </a:r>
-            <a:r>
-              <a:rPr lang="el-GR" sz="2500" b="0" i="0" dirty="0">
-                <a:solidFill>
-                  <a:srgbClr val="1F1F1F"/>
-                </a:solidFill>
-                <a:effectLst/>
-                <a:latin typeface="Mulish" panose="020B0604020202020204" charset="0"/>
-              </a:rPr>
-              <a:t>θ</a:t>
-            </a:r>
-            <a:r>
-              <a:rPr lang="en-US" sz="2500" b="0" i="0" dirty="0">
-                <a:solidFill>
-                  <a:srgbClr val="1F1F1F"/>
-                </a:solidFill>
-                <a:effectLst/>
-                <a:latin typeface="Mulish" panose="020B0604020202020204" charset="0"/>
-              </a:rPr>
-              <a:t>)</a:t>
-            </a:r>
-            <a:r>
-              <a:rPr lang="en-US" sz="2500" b="0" i="0" baseline="30000" dirty="0">
-                <a:solidFill>
-                  <a:srgbClr val="1F1F1F"/>
-                </a:solidFill>
-                <a:effectLst/>
-                <a:latin typeface="Mulish" panose="020B0604020202020204" charset="0"/>
-              </a:rPr>
-              <a:t>2</a:t>
-            </a:r>
-            <a:r>
-              <a:rPr lang="en-US" sz="2500" b="0" i="0" dirty="0">
-                <a:solidFill>
-                  <a:srgbClr val="1F1F1F"/>
-                </a:solidFill>
-                <a:effectLst/>
-                <a:latin typeface="Mulish" panose="020B0604020202020204" charset="0"/>
-              </a:rPr>
-              <a:t>- 2 </a:t>
-            </a:r>
-            <a:r>
-              <a:rPr lang="en-US" sz="2500" dirty="0">
-                <a:solidFill>
-                  <a:srgbClr val="1F1F1F"/>
-                </a:solidFill>
-                <a:latin typeface="Mulish" panose="020B0604020202020204" charset="0"/>
-              </a:rPr>
-              <a:t>(d +E(d)) * (E(d) - </a:t>
-            </a:r>
-            <a:r>
-              <a:rPr lang="el-GR" sz="2500" b="0" i="0" dirty="0">
-                <a:solidFill>
-                  <a:srgbClr val="1F1F1F"/>
-                </a:solidFill>
-                <a:effectLst/>
-                <a:latin typeface="Mulish" panose="020B0604020202020204" charset="0"/>
-              </a:rPr>
-              <a:t>θ</a:t>
-            </a:r>
-            <a:r>
-              <a:rPr lang="en-US" sz="2500" b="0" i="0" dirty="0">
-                <a:solidFill>
-                  <a:srgbClr val="1F1F1F"/>
-                </a:solidFill>
-                <a:effectLst/>
-                <a:latin typeface="Mulish" panose="020B0604020202020204" charset="0"/>
-              </a:rPr>
-              <a:t>)]</a:t>
-            </a:r>
-          </a:p>
-          <a:p>
-            <a:endParaRPr lang="en-US" sz="2500" b="0" i="0" dirty="0">
-              <a:solidFill>
-                <a:srgbClr val="1F1F1F"/>
-              </a:solidFill>
-              <a:effectLst/>
-              <a:latin typeface="Mulish" panose="020B0604020202020204" charset="0"/>
-            </a:endParaRPr>
-          </a:p>
-          <a:p>
-            <a:r>
-              <a:rPr lang="en-US" sz="2500" b="0" i="0" dirty="0">
-                <a:solidFill>
-                  <a:srgbClr val="1F1F1F"/>
-                </a:solidFill>
-                <a:effectLst/>
-                <a:latin typeface="Mulish" panose="020B0604020202020204" charset="0"/>
-              </a:rPr>
-              <a:t>= </a:t>
-            </a:r>
-            <a:r>
-              <a:rPr lang="en-US" sz="2500" dirty="0">
-                <a:solidFill>
-                  <a:srgbClr val="1F1F1F"/>
-                </a:solidFill>
-                <a:latin typeface="Mulish" panose="020B0604020202020204" charset="0"/>
-              </a:rPr>
-              <a:t>E [(d +E(d))</a:t>
-            </a:r>
-            <a:r>
-              <a:rPr lang="en-US" sz="2500" baseline="30000" dirty="0">
-                <a:solidFill>
-                  <a:srgbClr val="1F1F1F"/>
-                </a:solidFill>
-                <a:latin typeface="Mulish" panose="020B0604020202020204" charset="0"/>
-              </a:rPr>
-              <a:t>2</a:t>
-            </a:r>
-            <a:r>
-              <a:rPr lang="en-US" sz="2500" dirty="0">
-                <a:solidFill>
-                  <a:srgbClr val="1F1F1F"/>
-                </a:solidFill>
-                <a:latin typeface="Mulish" panose="020B0604020202020204" charset="0"/>
-              </a:rPr>
-              <a:t> + E(E(d) - </a:t>
-            </a:r>
-            <a:r>
-              <a:rPr lang="el-GR" sz="2500" b="0" i="0" dirty="0">
-                <a:solidFill>
-                  <a:srgbClr val="1F1F1F"/>
-                </a:solidFill>
-                <a:effectLst/>
-                <a:latin typeface="Mulish" panose="020B0604020202020204" charset="0"/>
-              </a:rPr>
-              <a:t>θ</a:t>
-            </a:r>
-            <a:r>
-              <a:rPr lang="en-US" sz="2500" b="0" i="0" dirty="0">
-                <a:solidFill>
-                  <a:srgbClr val="1F1F1F"/>
-                </a:solidFill>
-                <a:effectLst/>
-                <a:latin typeface="Mulish" panose="020B0604020202020204" charset="0"/>
-              </a:rPr>
-              <a:t>)</a:t>
-            </a:r>
-            <a:r>
-              <a:rPr lang="en-US" sz="2500" b="0" i="0" baseline="30000" dirty="0">
-                <a:solidFill>
-                  <a:srgbClr val="1F1F1F"/>
-                </a:solidFill>
-                <a:effectLst/>
-                <a:latin typeface="Mulish" panose="020B0604020202020204" charset="0"/>
-              </a:rPr>
-              <a:t>2</a:t>
-            </a:r>
-            <a:r>
-              <a:rPr lang="en-US" sz="2500" b="0" i="0" dirty="0">
-                <a:solidFill>
-                  <a:srgbClr val="1F1F1F"/>
-                </a:solidFill>
-                <a:effectLst/>
-                <a:latin typeface="Mulish" panose="020B0604020202020204" charset="0"/>
-              </a:rPr>
-              <a:t>- 2 E</a:t>
-            </a:r>
-            <a:r>
-              <a:rPr lang="en-US" sz="2500" dirty="0">
-                <a:solidFill>
-                  <a:srgbClr val="1F1F1F"/>
-                </a:solidFill>
-                <a:latin typeface="Mulish" panose="020B0604020202020204" charset="0"/>
-              </a:rPr>
-              <a:t>(d +E(d)) * (E(d) - </a:t>
-            </a:r>
-            <a:r>
-              <a:rPr lang="el-GR" sz="2500" b="0" i="0" dirty="0">
-                <a:solidFill>
-                  <a:srgbClr val="1F1F1F"/>
-                </a:solidFill>
-                <a:effectLst/>
-                <a:latin typeface="Mulish" panose="020B0604020202020204" charset="0"/>
-              </a:rPr>
-              <a:t>θ</a:t>
-            </a:r>
-            <a:r>
-              <a:rPr lang="en-US" sz="2500" b="0" i="0" dirty="0">
-                <a:solidFill>
-                  <a:srgbClr val="1F1F1F"/>
-                </a:solidFill>
-                <a:effectLst/>
-                <a:latin typeface="Mulish" panose="020B0604020202020204" charset="0"/>
-              </a:rPr>
-              <a:t>)]</a:t>
-            </a:r>
-          </a:p>
-          <a:p>
-            <a:endParaRPr lang="en-US" sz="2500" dirty="0">
-              <a:solidFill>
-                <a:srgbClr val="1F1F1F"/>
-              </a:solidFill>
-              <a:latin typeface="Mulish" panose="020B0604020202020204" charset="0"/>
-            </a:endParaRPr>
-          </a:p>
-          <a:p>
-            <a:r>
-              <a:rPr lang="en-US" sz="2500" b="0" i="0" dirty="0">
-                <a:solidFill>
-                  <a:srgbClr val="1F1F1F"/>
-                </a:solidFill>
-                <a:effectLst/>
-                <a:latin typeface="Mulish" panose="020B0604020202020204" charset="0"/>
-              </a:rPr>
-              <a:t>= </a:t>
-            </a:r>
-            <a:r>
-              <a:rPr lang="en-US" sz="2500" dirty="0">
-                <a:solidFill>
-                  <a:srgbClr val="1F1F1F"/>
-                </a:solidFill>
-                <a:latin typeface="Mulish" panose="020B0604020202020204" charset="0"/>
-              </a:rPr>
-              <a:t>E [(d +E(d))</a:t>
-            </a:r>
-            <a:r>
-              <a:rPr lang="en-US" sz="2500" baseline="30000" dirty="0">
-                <a:solidFill>
-                  <a:srgbClr val="1F1F1F"/>
-                </a:solidFill>
-                <a:latin typeface="Mulish" panose="020B0604020202020204" charset="0"/>
-              </a:rPr>
-              <a:t>2</a:t>
-            </a:r>
-            <a:r>
-              <a:rPr lang="en-US" sz="2500" dirty="0">
-                <a:solidFill>
-                  <a:srgbClr val="1F1F1F"/>
-                </a:solidFill>
-                <a:latin typeface="Mulish" panose="020B0604020202020204" charset="0"/>
-              </a:rPr>
-              <a:t> + </a:t>
-            </a:r>
-            <a:r>
-              <a:rPr lang="en-US" sz="2500" dirty="0">
-                <a:solidFill>
-                  <a:srgbClr val="FF0000"/>
-                </a:solidFill>
-                <a:latin typeface="Mulish" panose="020B0604020202020204" charset="0"/>
-              </a:rPr>
-              <a:t>(E(d) - </a:t>
-            </a:r>
-            <a:r>
-              <a:rPr lang="el-GR" sz="2500" b="0" i="0" dirty="0">
-                <a:solidFill>
-                  <a:srgbClr val="FF0000"/>
-                </a:solidFill>
-                <a:effectLst/>
-                <a:latin typeface="Mulish" panose="020B0604020202020204" charset="0"/>
-              </a:rPr>
-              <a:t>θ</a:t>
-            </a:r>
-            <a:r>
-              <a:rPr lang="en-US" sz="2500" b="0" i="0" dirty="0">
-                <a:solidFill>
-                  <a:srgbClr val="FF0000"/>
-                </a:solidFill>
-                <a:effectLst/>
-                <a:latin typeface="Mulish" panose="020B0604020202020204" charset="0"/>
-              </a:rPr>
-              <a:t>)</a:t>
-            </a:r>
-            <a:r>
-              <a:rPr lang="en-US" sz="2500" b="0" i="0" baseline="30000" dirty="0">
-                <a:solidFill>
-                  <a:srgbClr val="FF0000"/>
-                </a:solidFill>
-                <a:effectLst/>
-                <a:latin typeface="Mulish" panose="020B0604020202020204" charset="0"/>
-              </a:rPr>
-              <a:t>2</a:t>
-            </a:r>
-            <a:r>
-              <a:rPr lang="en-US" sz="2500" b="0" i="0" dirty="0">
-                <a:solidFill>
-                  <a:srgbClr val="FF0000"/>
-                </a:solidFill>
-                <a:effectLst/>
-                <a:latin typeface="Mulish" panose="020B0604020202020204" charset="0"/>
-              </a:rPr>
-              <a:t>- </a:t>
-            </a:r>
-            <a:r>
-              <a:rPr lang="en-US" sz="2500" b="0" i="0" dirty="0">
-                <a:solidFill>
-                  <a:srgbClr val="1F1F1F"/>
-                </a:solidFill>
-                <a:effectLst/>
-                <a:latin typeface="Mulish" panose="020B0604020202020204" charset="0"/>
-              </a:rPr>
-              <a:t>2 E</a:t>
-            </a:r>
-            <a:r>
-              <a:rPr lang="en-US" sz="2500" dirty="0">
-                <a:solidFill>
-                  <a:srgbClr val="1F1F1F"/>
-                </a:solidFill>
-                <a:latin typeface="Mulish" panose="020B0604020202020204" charset="0"/>
-              </a:rPr>
-              <a:t>(d +E(d)) * (E(d) - </a:t>
-            </a:r>
-            <a:r>
-              <a:rPr lang="el-GR" sz="2500" b="0" i="0" dirty="0">
-                <a:solidFill>
-                  <a:srgbClr val="1F1F1F"/>
-                </a:solidFill>
-                <a:effectLst/>
-                <a:latin typeface="Mulish" panose="020B0604020202020204" charset="0"/>
-              </a:rPr>
-              <a:t>θ</a:t>
-            </a:r>
-            <a:r>
-              <a:rPr lang="en-US" sz="2500" b="0" i="0" dirty="0">
-                <a:solidFill>
-                  <a:srgbClr val="1F1F1F"/>
-                </a:solidFill>
-                <a:effectLst/>
-                <a:latin typeface="Mulish" panose="020B0604020202020204" charset="0"/>
-              </a:rPr>
-              <a:t>)]</a:t>
-            </a:r>
-          </a:p>
-          <a:p>
-            <a:endParaRPr lang="en-US" sz="2500" b="0" i="0" baseline="30000" dirty="0">
-              <a:solidFill>
-                <a:srgbClr val="1F1F1F"/>
-              </a:solidFill>
-              <a:effectLst/>
-              <a:latin typeface="Mulish" panose="020B0604020202020204" charset="0"/>
-            </a:endParaRPr>
-          </a:p>
-          <a:p>
-            <a:endParaRPr lang="en-US" sz="2500" b="0" i="0" baseline="30000" dirty="0">
-              <a:solidFill>
-                <a:srgbClr val="1F1F1F"/>
-              </a:solidFill>
-              <a:effectLst/>
-              <a:latin typeface="Mulish" panose="020B0604020202020204" charset="0"/>
-            </a:endParaRPr>
-          </a:p>
-          <a:p>
-            <a:endParaRPr lang="en-US" sz="2500" b="0" i="0" baseline="30000" dirty="0">
-              <a:solidFill>
-                <a:srgbClr val="1F1F1F"/>
-              </a:solidFill>
-              <a:effectLst/>
-              <a:latin typeface="Mulish" panose="020B0604020202020204" charset="0"/>
-            </a:endParaRPr>
-          </a:p>
-        </p:txBody>
-      </p:sp>
-      <p:sp>
-        <p:nvSpPr>
-          <p:cNvPr id="15" name="Google Shape;920;p69">
-            <a:extLst>
-              <a:ext uri="{FF2B5EF4-FFF2-40B4-BE49-F238E27FC236}">
-                <a16:creationId xmlns:a16="http://schemas.microsoft.com/office/drawing/2014/main" id="{063C94AC-FE3D-38ED-E632-CFC686094997}"/>
-              </a:ext>
-            </a:extLst>
-          </p:cNvPr>
-          <p:cNvSpPr txBox="1">
-            <a:spLocks/>
-          </p:cNvSpPr>
-          <p:nvPr/>
-        </p:nvSpPr>
-        <p:spPr>
-          <a:xfrm>
-            <a:off x="3863813" y="4488575"/>
-            <a:ext cx="1655212" cy="572700"/>
-          </a:xfrm>
-          <a:prstGeom prst="rect">
-            <a:avLst/>
-          </a:prstGeom>
-          <a:noFill/>
-          <a:ln>
-            <a:noFill/>
-          </a:ln>
-        </p:spPr>
-        <p:txBody>
-          <a:bodyPr spcFirstLastPara="1" wrap="square" lIns="91425" tIns="91425" rIns="91425" bIns="91425" anchor="ctr" anchorCtr="0">
-            <a:noAutofit/>
-          </a:bodyPr>
-          <a:lstStyle>
-            <a:defPPr marR="0" lvl="0" algn="l" rtl="0">
-              <a:lnSpc>
-                <a:spcPct val="100000"/>
-              </a:lnSpc>
-              <a:spcBef>
-                <a:spcPts val="0"/>
-              </a:spcBef>
-              <a:spcAft>
-                <a:spcPts val="0"/>
-              </a:spcAft>
-            </a:defPPr>
-            <a:lvl1pPr marR="0" lvl="0" algn="l" rtl="0">
-              <a:lnSpc>
-                <a:spcPct val="80000"/>
-              </a:lnSpc>
-              <a:spcBef>
-                <a:spcPts val="0"/>
-              </a:spcBef>
-              <a:spcAft>
-                <a:spcPts val="0"/>
-              </a:spcAft>
-              <a:buClr>
-                <a:schemeClr val="dk1"/>
-              </a:buClr>
-              <a:buSzPts val="2800"/>
-              <a:buFont typeface="Lilita One"/>
-              <a:buNone/>
-              <a:defRPr sz="2800" b="0" i="0" u="none" strike="noStrike" cap="none">
-                <a:solidFill>
-                  <a:schemeClr val="dk1"/>
-                </a:solidFill>
-                <a:latin typeface="Lilita One"/>
-                <a:ea typeface="Lilita One"/>
-                <a:cs typeface="Lilita One"/>
-                <a:sym typeface="Lilita One"/>
-              </a:defRPr>
-            </a:lvl1pPr>
-            <a:lvl2pPr marR="0" lvl="1" algn="l" rtl="0">
-              <a:lnSpc>
-                <a:spcPct val="100000"/>
-              </a:lnSpc>
-              <a:spcBef>
-                <a:spcPts val="0"/>
-              </a:spcBef>
-              <a:spcAft>
-                <a:spcPts val="0"/>
-              </a:spcAft>
-              <a:buClr>
-                <a:schemeClr val="dk1"/>
-              </a:buClr>
-              <a:buSzPts val="2800"/>
-              <a:buFont typeface="Arial"/>
-              <a:buNone/>
-              <a:defRPr sz="2800" b="0" i="0" u="none" strike="noStrike" cap="none">
-                <a:solidFill>
-                  <a:schemeClr val="dk1"/>
-                </a:solidFill>
-                <a:latin typeface="Arial"/>
-                <a:ea typeface="Arial"/>
-                <a:cs typeface="Arial"/>
-                <a:sym typeface="Arial"/>
-              </a:defRPr>
-            </a:lvl2pPr>
-            <a:lvl3pPr marR="0" lvl="2" algn="l" rtl="0">
-              <a:lnSpc>
-                <a:spcPct val="100000"/>
-              </a:lnSpc>
-              <a:spcBef>
-                <a:spcPts val="0"/>
-              </a:spcBef>
-              <a:spcAft>
-                <a:spcPts val="0"/>
-              </a:spcAft>
-              <a:buClr>
-                <a:schemeClr val="dk1"/>
-              </a:buClr>
-              <a:buSzPts val="2800"/>
-              <a:buFont typeface="Arial"/>
-              <a:buNone/>
-              <a:defRPr sz="2800" b="0" i="0" u="none" strike="noStrike" cap="none">
-                <a:solidFill>
-                  <a:schemeClr val="dk1"/>
-                </a:solidFill>
-                <a:latin typeface="Arial"/>
-                <a:ea typeface="Arial"/>
-                <a:cs typeface="Arial"/>
-                <a:sym typeface="Arial"/>
-              </a:defRPr>
-            </a:lvl3pPr>
-            <a:lvl4pPr marR="0" lvl="3" algn="l" rtl="0">
-              <a:lnSpc>
-                <a:spcPct val="100000"/>
-              </a:lnSpc>
-              <a:spcBef>
-                <a:spcPts val="0"/>
-              </a:spcBef>
-              <a:spcAft>
-                <a:spcPts val="0"/>
-              </a:spcAft>
-              <a:buClr>
-                <a:schemeClr val="dk1"/>
-              </a:buClr>
-              <a:buSzPts val="2800"/>
-              <a:buFont typeface="Arial"/>
-              <a:buNone/>
-              <a:defRPr sz="2800" b="0" i="0" u="none" strike="noStrike" cap="none">
-                <a:solidFill>
-                  <a:schemeClr val="dk1"/>
-                </a:solidFill>
-                <a:latin typeface="Arial"/>
-                <a:ea typeface="Arial"/>
-                <a:cs typeface="Arial"/>
-                <a:sym typeface="Arial"/>
-              </a:defRPr>
-            </a:lvl4pPr>
-            <a:lvl5pPr marR="0" lvl="4" algn="l" rtl="0">
-              <a:lnSpc>
-                <a:spcPct val="100000"/>
-              </a:lnSpc>
-              <a:spcBef>
-                <a:spcPts val="0"/>
-              </a:spcBef>
-              <a:spcAft>
-                <a:spcPts val="0"/>
-              </a:spcAft>
-              <a:buClr>
-                <a:schemeClr val="dk1"/>
-              </a:buClr>
-              <a:buSzPts val="2800"/>
-              <a:buFont typeface="Arial"/>
-              <a:buNone/>
-              <a:defRPr sz="2800" b="0" i="0" u="none" strike="noStrike" cap="none">
-                <a:solidFill>
-                  <a:schemeClr val="dk1"/>
-                </a:solidFill>
-                <a:latin typeface="Arial"/>
-                <a:ea typeface="Arial"/>
-                <a:cs typeface="Arial"/>
-                <a:sym typeface="Arial"/>
-              </a:defRPr>
-            </a:lvl5pPr>
-            <a:lvl6pPr marR="0" lvl="5" algn="l" rtl="0">
-              <a:lnSpc>
-                <a:spcPct val="100000"/>
-              </a:lnSpc>
-              <a:spcBef>
-                <a:spcPts val="0"/>
-              </a:spcBef>
-              <a:spcAft>
-                <a:spcPts val="0"/>
-              </a:spcAft>
-              <a:buClr>
-                <a:schemeClr val="dk1"/>
-              </a:buClr>
-              <a:buSzPts val="2800"/>
-              <a:buFont typeface="Arial"/>
-              <a:buNone/>
-              <a:defRPr sz="2800" b="0" i="0" u="none" strike="noStrike" cap="none">
-                <a:solidFill>
-                  <a:schemeClr val="dk1"/>
-                </a:solidFill>
-                <a:latin typeface="Arial"/>
-                <a:ea typeface="Arial"/>
-                <a:cs typeface="Arial"/>
-                <a:sym typeface="Arial"/>
-              </a:defRPr>
-            </a:lvl6pPr>
-            <a:lvl7pPr marR="0" lvl="6" algn="l" rtl="0">
-              <a:lnSpc>
-                <a:spcPct val="100000"/>
-              </a:lnSpc>
-              <a:spcBef>
-                <a:spcPts val="0"/>
-              </a:spcBef>
-              <a:spcAft>
-                <a:spcPts val="0"/>
-              </a:spcAft>
-              <a:buClr>
-                <a:schemeClr val="dk1"/>
-              </a:buClr>
-              <a:buSzPts val="2800"/>
-              <a:buFont typeface="Arial"/>
-              <a:buNone/>
-              <a:defRPr sz="2800" b="0" i="0" u="none" strike="noStrike" cap="none">
-                <a:solidFill>
-                  <a:schemeClr val="dk1"/>
-                </a:solidFill>
-                <a:latin typeface="Arial"/>
-                <a:ea typeface="Arial"/>
-                <a:cs typeface="Arial"/>
-                <a:sym typeface="Arial"/>
-              </a:defRPr>
-            </a:lvl7pPr>
-            <a:lvl8pPr marR="0" lvl="7" algn="l" rtl="0">
-              <a:lnSpc>
-                <a:spcPct val="100000"/>
-              </a:lnSpc>
-              <a:spcBef>
-                <a:spcPts val="0"/>
-              </a:spcBef>
-              <a:spcAft>
-                <a:spcPts val="0"/>
-              </a:spcAft>
-              <a:buClr>
-                <a:schemeClr val="dk1"/>
-              </a:buClr>
-              <a:buSzPts val="2800"/>
-              <a:buFont typeface="Arial"/>
-              <a:buNone/>
-              <a:defRPr sz="2800" b="0" i="0" u="none" strike="noStrike" cap="none">
-                <a:solidFill>
-                  <a:schemeClr val="dk1"/>
-                </a:solidFill>
-                <a:latin typeface="Arial"/>
-                <a:ea typeface="Arial"/>
-                <a:cs typeface="Arial"/>
-                <a:sym typeface="Arial"/>
-              </a:defRPr>
-            </a:lvl8pPr>
-            <a:lvl9pPr marR="0" lvl="8" algn="l" rtl="0">
-              <a:lnSpc>
-                <a:spcPct val="100000"/>
-              </a:lnSpc>
-              <a:spcBef>
-                <a:spcPts val="0"/>
-              </a:spcBef>
-              <a:spcAft>
-                <a:spcPts val="0"/>
-              </a:spcAft>
-              <a:buClr>
-                <a:schemeClr val="dk1"/>
-              </a:buClr>
-              <a:buSzPts val="2800"/>
-              <a:buFont typeface="Arial"/>
-              <a:buNone/>
-              <a:defRPr sz="2800" b="0" i="0" u="none" strike="noStrike" cap="none">
-                <a:solidFill>
-                  <a:schemeClr val="dk1"/>
-                </a:solidFill>
-                <a:latin typeface="Arial"/>
-                <a:ea typeface="Arial"/>
-                <a:cs typeface="Arial"/>
-                <a:sym typeface="Arial"/>
-              </a:defRPr>
-            </a:lvl9pPr>
-          </a:lstStyle>
-          <a:p>
-            <a:r>
-              <a:rPr lang="en-US" dirty="0">
-                <a:solidFill>
-                  <a:srgbClr val="FF0000"/>
-                </a:solidFill>
-              </a:rPr>
-              <a:t>Constant</a:t>
-            </a:r>
-          </a:p>
-        </p:txBody>
-      </p:sp>
-    </p:spTree>
-    <p:extLst>
-      <p:ext uri="{BB962C8B-B14F-4D97-AF65-F5344CB8AC3E}">
-        <p14:creationId xmlns:p14="http://schemas.microsoft.com/office/powerpoint/2010/main" val="3486247423"/>
-      </p:ext>
-    </p:extLst>
-  </p:cSld>
-  <p:clrMapOvr>
-    <a:masterClrMapping/>
-  </p:clrMapOvr>
-</p:sld>
-</file>
-
-<file path=ppt/slides/slide26.xml><?xml version="1.0" encoding="utf-8"?>
 <p:sld xmlns:a="http://schemas.openxmlformats.org/drawingml/2006/main" xmlns:r="http://schemas.openxmlformats.org/officeDocument/2006/relationships" xmlns:p="http://schemas.openxmlformats.org/presentationml/2006/main">
   <p:cSld>
     <p:spTree>
@@ -36133,7 +34613,7 @@
 </p:sld>
 </file>
 
-<file path=ppt/slides/slide27.xml><?xml version="1.0" encoding="utf-8"?>
+<file path=ppt/slides/slide26.xml><?xml version="1.0" encoding="utf-8"?>
 <p:sld xmlns:a="http://schemas.openxmlformats.org/drawingml/2006/main" xmlns:r="http://schemas.openxmlformats.org/officeDocument/2006/relationships" xmlns:p="http://schemas.openxmlformats.org/presentationml/2006/main">
   <p:cSld>
     <p:spTree>
@@ -37129,7 +35609,7 @@
 </p:sld>
 </file>
 
-<file path=ppt/slides/slide28.xml><?xml version="1.0" encoding="utf-8"?>
+<file path=ppt/slides/slide27.xml><?xml version="1.0" encoding="utf-8"?>
 <p:sld xmlns:a="http://schemas.openxmlformats.org/drawingml/2006/main" xmlns:r="http://schemas.openxmlformats.org/officeDocument/2006/relationships" xmlns:p="http://schemas.openxmlformats.org/presentationml/2006/main">
   <p:cSld>
     <p:spTree>
@@ -38045,7 +36525,7 @@
 </p:sld>
 </file>
 
-<file path=ppt/slides/slide29.xml><?xml version="1.0" encoding="utf-8"?>
+<file path=ppt/slides/slide28.xml><?xml version="1.0" encoding="utf-8"?>
 <p:sld xmlns:a="http://schemas.openxmlformats.org/drawingml/2006/main" xmlns:r="http://schemas.openxmlformats.org/officeDocument/2006/relationships" xmlns:p="http://schemas.openxmlformats.org/presentationml/2006/main">
   <p:cSld>
     <p:spTree>
